--- a/Api.pptx
+++ b/Api.pptx
@@ -6283,8 +6283,68 @@
         </p:blipFill>
         <p:spPr>
           <a:xfrm>
-            <a:off x="1085150" y="885470"/>
-            <a:ext cx="10021699" cy="5087060"/>
+            <a:off x="0" y="1338466"/>
+            <a:ext cx="5159229" cy="3619418"/>
+          </a:xfrm>
+          <a:prstGeom prst="rect">
+            <a:avLst/>
+          </a:prstGeom>
+        </p:spPr>
+      </p:pic>
+      <p:pic>
+        <p:nvPicPr>
+          <p:cNvPr id="5" name="Kép 4">
+            <a:extLst>
+              <a:ext uri="{FF2B5EF4-FFF2-40B4-BE49-F238E27FC236}">
+                <a16:creationId xmlns:a16="http://schemas.microsoft.com/office/drawing/2014/main" id="{6221F880-37F3-47A9-9777-7A1501696901}"/>
+              </a:ext>
+            </a:extLst>
+          </p:cNvPr>
+          <p:cNvPicPr>
+            <a:picLocks noChangeAspect="1"/>
+          </p:cNvPicPr>
+          <p:nvPr/>
+        </p:nvPicPr>
+        <p:blipFill>
+          <a:blip r:embed="rId3"/>
+          <a:stretch>
+            <a:fillRect/>
+          </a:stretch>
+        </p:blipFill>
+        <p:spPr>
+          <a:xfrm>
+            <a:off x="5354972" y="1207789"/>
+            <a:ext cx="6929307" cy="3880773"/>
+          </a:xfrm>
+          <a:prstGeom prst="rect">
+            <a:avLst/>
+          </a:prstGeom>
+        </p:spPr>
+      </p:pic>
+      <p:pic>
+        <p:nvPicPr>
+          <p:cNvPr id="6" name="Kép 5">
+            <a:extLst>
+              <a:ext uri="{FF2B5EF4-FFF2-40B4-BE49-F238E27FC236}">
+                <a16:creationId xmlns:a16="http://schemas.microsoft.com/office/drawing/2014/main" id="{B4A79EFF-D1A1-4300-A1E1-0038C5B524D5}"/>
+              </a:ext>
+            </a:extLst>
+          </p:cNvPr>
+          <p:cNvPicPr>
+            <a:picLocks noChangeAspect="1"/>
+          </p:cNvPicPr>
+          <p:nvPr/>
+        </p:nvPicPr>
+        <p:blipFill>
+          <a:blip r:embed="rId2"/>
+          <a:stretch>
+            <a:fillRect/>
+          </a:stretch>
+        </p:blipFill>
+        <p:spPr>
+          <a:xfrm>
+            <a:off x="152400" y="1490866"/>
+            <a:ext cx="5159229" cy="3619418"/>
           </a:xfrm>
           <a:prstGeom prst="rect">
             <a:avLst/>
@@ -7852,15 +7912,7 @@
           <a:p>
             <a:r>
               <a:rPr lang="hu-HU" dirty="0"/>
-              <a:t>Az </a:t>
-            </a:r>
-            <a:r>
-              <a:rPr lang="hu-HU" dirty="0" err="1"/>
-              <a:t>adatformatum</a:t>
-            </a:r>
-            <a:r>
-              <a:rPr lang="hu-HU" dirty="0"/>
-              <a:t> az adatok strukturált tárolásának és megosztásának módja, amely biztosítja, hogy az információk a címzett (ember vagy számítógép) számára könnyen érthetők legyenek, például a weben használt HTML esetében.</a:t>
+              <a:t>Az adatformátum az adatok strukturált tárolásának és megosztásának módja, amely biztosítja, hogy az információk a címzett (ember vagy számítógép) számára könnyen érthetők legyenek, például a weben használt HTML esetében.</a:t>
             </a:r>
           </a:p>
         </p:txBody>

--- a/Api.pptx
+++ b/Api.pptx
@@ -6532,12 +6532,23 @@
             <p:ph idx="1"/>
           </p:nvPr>
         </p:nvSpPr>
-        <p:spPr/>
-        <p:txBody>
-          <a:bodyPr/>
-          <a:lstStyle/>
-          <a:p>
-            <a:endParaRPr lang="hu-HU"/>
+        <p:spPr>
+          <a:xfrm>
+            <a:off x="308219" y="205954"/>
+            <a:ext cx="8596668" cy="3880773"/>
+          </a:xfrm>
+        </p:spPr>
+        <p:txBody>
+          <a:bodyPr/>
+          <a:lstStyle/>
+          <a:p>
+            <a:r>
+              <a:rPr lang="hu-HU" dirty="0"/>
+              <a:t>A SOAP egy XML-alapú üzenetküldési protokoll, amely lassúnak és összetettnek bizonyult, ezért fejlesztették ki az egyszerűbb, XML-t nem igénylő REST API-t, amely HTTP-t használva könnyen skálázható, gyors és népszerű webszolgáltatásokhoz; az RPC, XML-RPC és JSON-RPC ehhez hasonlóan távoli eljáráshívásra szolgál, de különböznek formázásuk és rugalmasságuk tekintetében.</a:t>
+            </a:r>
+          </a:p>
+          <a:p>
+            <a:endParaRPr lang="hu-HU" dirty="0"/>
           </a:p>
         </p:txBody>
       </p:sp>
@@ -6563,8 +6574,8 @@
         </p:blipFill>
         <p:spPr>
           <a:xfrm>
-            <a:off x="427834" y="609206"/>
-            <a:ext cx="11336332" cy="5639587"/>
+            <a:off x="402670" y="1930400"/>
+            <a:ext cx="9910199" cy="4930116"/>
           </a:xfrm>
           <a:prstGeom prst="rect">
             <a:avLst/>
